--- a/docs/diagrams/UndoRedoStartingStateListDiagram.pptx
+++ b/docs/diagrams/UndoRedoStartingStateListDiagram.pptx
@@ -112,8 +112,33 @@
 </p:presentation>
 </file>
 
-<file path=ppt/revisionInfo.xml><?xml version="1.0" encoding="utf-8"?>
-<p1510:revInfo xmlns:a="http://schemas.openxmlformats.org/drawingml/2006/main" xmlns:r="http://schemas.openxmlformats.org/officeDocument/2006/relationships" xmlns:p1510="http://schemas.microsoft.com/office/powerpoint/2015/10/main"/>
+<file path=ppt/changesInfos/changesInfo1.xml><?xml version="1.0" encoding="utf-8"?>
+<pc:chgInfo xmlns:a="http://schemas.openxmlformats.org/drawingml/2006/main" xmlns:r="http://schemas.openxmlformats.org/officeDocument/2006/relationships" xmlns:ac="http://schemas.microsoft.com/office/drawing/2013/main/command" xmlns:pc="http://schemas.microsoft.com/office/powerpoint/2013/main/command">
+  <pc:docChgLst>
+    <pc:chgData name="Shengmin Leong" userId="075411cc4697ef0d" providerId="LiveId" clId="{7E71F448-A843-46A2-B566-D1B8423FC178}"/>
+    <pc:docChg chg="modSld">
+      <pc:chgData name="Shengmin Leong" userId="075411cc4697ef0d" providerId="LiveId" clId="{7E71F448-A843-46A2-B566-D1B8423FC178}" dt="2018-10-14T08:20:26.870" v="9" actId="20577"/>
+      <pc:docMkLst>
+        <pc:docMk/>
+      </pc:docMkLst>
+      <pc:sldChg chg="modSp">
+        <pc:chgData name="Shengmin Leong" userId="075411cc4697ef0d" providerId="LiveId" clId="{7E71F448-A843-46A2-B566-D1B8423FC178}" dt="2018-10-14T08:20:26.870" v="9" actId="20577"/>
+        <pc:sldMkLst>
+          <pc:docMk/>
+          <pc:sldMk cId="394243577" sldId="256"/>
+        </pc:sldMkLst>
+        <pc:graphicFrameChg chg="modGraphic">
+          <ac:chgData name="Shengmin Leong" userId="075411cc4697ef0d" providerId="LiveId" clId="{7E71F448-A843-46A2-B566-D1B8423FC178}" dt="2018-10-14T08:20:26.870" v="9" actId="20577"/>
+          <ac:graphicFrameMkLst>
+            <pc:docMk/>
+            <pc:sldMk cId="394243577" sldId="256"/>
+            <ac:graphicFrameMk id="5" creationId="{F545FAB8-F1CE-4886-9BDE-E772BCB0A9C4}"/>
+          </ac:graphicFrameMkLst>
+        </pc:graphicFrameChg>
+      </pc:sldChg>
+    </pc:docChg>
+  </pc:docChgLst>
+</pc:chgInfo>
 </file>
 
 <file path=ppt/slideLayouts/slideLayout1.xml><?xml version="1.0" encoding="utf-8"?>
@@ -245,7 +270,7 @@
           <a:p>
             <a:fld id="{8B2F8DF3-7CFE-4C7E-A62E-FD00A81FB0CD}" type="datetimeFigureOut">
               <a:rPr lang="en-US" smtClean="0"/>
-              <a:t>7/6/2018</a:t>
+              <a:t>10/14/2018</a:t>
             </a:fld>
             <a:endParaRPr lang="en-US"/>
           </a:p>
@@ -413,7 +438,7 @@
           <a:p>
             <a:fld id="{8B2F8DF3-7CFE-4C7E-A62E-FD00A81FB0CD}" type="datetimeFigureOut">
               <a:rPr lang="en-US" smtClean="0"/>
-              <a:t>7/6/2018</a:t>
+              <a:t>10/14/2018</a:t>
             </a:fld>
             <a:endParaRPr lang="en-US"/>
           </a:p>
@@ -591,7 +616,7 @@
           <a:p>
             <a:fld id="{8B2F8DF3-7CFE-4C7E-A62E-FD00A81FB0CD}" type="datetimeFigureOut">
               <a:rPr lang="en-US" smtClean="0"/>
-              <a:t>7/6/2018</a:t>
+              <a:t>10/14/2018</a:t>
             </a:fld>
             <a:endParaRPr lang="en-US"/>
           </a:p>
@@ -759,7 +784,7 @@
           <a:p>
             <a:fld id="{8B2F8DF3-7CFE-4C7E-A62E-FD00A81FB0CD}" type="datetimeFigureOut">
               <a:rPr lang="en-US" smtClean="0"/>
-              <a:t>7/6/2018</a:t>
+              <a:t>10/14/2018</a:t>
             </a:fld>
             <a:endParaRPr lang="en-US"/>
           </a:p>
@@ -1004,7 +1029,7 @@
           <a:p>
             <a:fld id="{8B2F8DF3-7CFE-4C7E-A62E-FD00A81FB0CD}" type="datetimeFigureOut">
               <a:rPr lang="en-US" smtClean="0"/>
-              <a:t>7/6/2018</a:t>
+              <a:t>10/14/2018</a:t>
             </a:fld>
             <a:endParaRPr lang="en-US"/>
           </a:p>
@@ -1233,7 +1258,7 @@
           <a:p>
             <a:fld id="{8B2F8DF3-7CFE-4C7E-A62E-FD00A81FB0CD}" type="datetimeFigureOut">
               <a:rPr lang="en-US" smtClean="0"/>
-              <a:t>7/6/2018</a:t>
+              <a:t>10/14/2018</a:t>
             </a:fld>
             <a:endParaRPr lang="en-US"/>
           </a:p>
@@ -1597,7 +1622,7 @@
           <a:p>
             <a:fld id="{8B2F8DF3-7CFE-4C7E-A62E-FD00A81FB0CD}" type="datetimeFigureOut">
               <a:rPr lang="en-US" smtClean="0"/>
-              <a:t>7/6/2018</a:t>
+              <a:t>10/14/2018</a:t>
             </a:fld>
             <a:endParaRPr lang="en-US"/>
           </a:p>
@@ -1714,7 +1739,7 @@
           <a:p>
             <a:fld id="{8B2F8DF3-7CFE-4C7E-A62E-FD00A81FB0CD}" type="datetimeFigureOut">
               <a:rPr lang="en-US" smtClean="0"/>
-              <a:t>7/6/2018</a:t>
+              <a:t>10/14/2018</a:t>
             </a:fld>
             <a:endParaRPr lang="en-US"/>
           </a:p>
@@ -1809,7 +1834,7 @@
           <a:p>
             <a:fld id="{8B2F8DF3-7CFE-4C7E-A62E-FD00A81FB0CD}" type="datetimeFigureOut">
               <a:rPr lang="en-US" smtClean="0"/>
-              <a:t>7/6/2018</a:t>
+              <a:t>10/14/2018</a:t>
             </a:fld>
             <a:endParaRPr lang="en-US"/>
           </a:p>
@@ -2084,7 +2109,7 @@
           <a:p>
             <a:fld id="{8B2F8DF3-7CFE-4C7E-A62E-FD00A81FB0CD}" type="datetimeFigureOut">
               <a:rPr lang="en-US" smtClean="0"/>
-              <a:t>7/6/2018</a:t>
+              <a:t>10/14/2018</a:t>
             </a:fld>
             <a:endParaRPr lang="en-US"/>
           </a:p>
@@ -2336,7 +2361,7 @@
           <a:p>
             <a:fld id="{8B2F8DF3-7CFE-4C7E-A62E-FD00A81FB0CD}" type="datetimeFigureOut">
               <a:rPr lang="en-US" smtClean="0"/>
-              <a:t>7/6/2018</a:t>
+              <a:t>10/14/2018</a:t>
             </a:fld>
             <a:endParaRPr lang="en-US"/>
           </a:p>
@@ -2547,7 +2572,7 @@
           <a:p>
             <a:fld id="{8B2F8DF3-7CFE-4C7E-A62E-FD00A81FB0CD}" type="datetimeFigureOut">
               <a:rPr lang="en-US" smtClean="0"/>
-              <a:t>7/6/2018</a:t>
+              <a:t>10/14/2018</a:t>
             </a:fld>
             <a:endParaRPr lang="en-US"/>
           </a:p>
@@ -3011,7 +3036,7 @@
           <p:nvPr>
             <p:extLst>
               <p:ext uri="{D42A27DB-BD31-4B8C-83A1-F6EECF244321}">
-                <p14:modId xmlns:p14="http://schemas.microsoft.com/office/powerpoint/2010/main" val="1292556626"/>
+                <p14:modId xmlns:p14="http://schemas.microsoft.com/office/powerpoint/2010/main" val="4255209693"/>
               </p:ext>
             </p:extLst>
           </p:nvPr>
@@ -3042,12 +3067,12 @@
                     <a:lstStyle/>
                     <a:p>
                       <a:r>
-                        <a:rPr lang="en-SG" u="sng" dirty="0"/>
-                        <a:t>ab0:</a:t>
+                        <a:rPr lang="en-SG" u="sng"/>
+                        <a:t>wb0:</a:t>
                       </a:r>
                       <a:r>
-                        <a:rPr lang="en-SG" sz="1800" u="sng" dirty="0"/>
-                        <a:t>AddressBook</a:t>
+                        <a:rPr lang="en-SG" sz="1800" u="sng"/>
+                        <a:t>WishBook</a:t>
                       </a:r>
                       <a:endParaRPr lang="en-SG" sz="1600" u="sng" dirty="0"/>
                     </a:p>

--- a/docs/diagrams/UndoRedoStartingStateListDiagram.pptx
+++ b/docs/diagrams/UndoRedoStartingStateListDiagram.pptx
@@ -112,8 +112,33 @@
 </p:presentation>
 </file>
 
-<file path=ppt/revisionInfo.xml><?xml version="1.0" encoding="utf-8"?>
-<p1510:revInfo xmlns:a="http://schemas.openxmlformats.org/drawingml/2006/main" xmlns:r="http://schemas.openxmlformats.org/officeDocument/2006/relationships" xmlns:p1510="http://schemas.microsoft.com/office/powerpoint/2015/10/main"/>
+<file path=ppt/changesInfos/changesInfo1.xml><?xml version="1.0" encoding="utf-8"?>
+<pc:chgInfo xmlns:a="http://schemas.openxmlformats.org/drawingml/2006/main" xmlns:r="http://schemas.openxmlformats.org/officeDocument/2006/relationships" xmlns:ac="http://schemas.microsoft.com/office/drawing/2013/main/command" xmlns:pc="http://schemas.microsoft.com/office/powerpoint/2013/main/command">
+  <pc:docChgLst>
+    <pc:chgData name="Lionel Tan Junzer" userId="04b849c6f1991e6b" providerId="LiveId" clId="{F0915005-7E82-4659-95A7-5F2AB07A5A72}"/>
+    <pc:docChg chg="modSld">
+      <pc:chgData name="Lionel Tan Junzer" userId="04b849c6f1991e6b" providerId="LiveId" clId="{F0915005-7E82-4659-95A7-5F2AB07A5A72}" dt="2018-10-15T06:42:27.368" v="18" actId="20577"/>
+      <pc:docMkLst>
+        <pc:docMk/>
+      </pc:docMkLst>
+      <pc:sldChg chg="modSp">
+        <pc:chgData name="Lionel Tan Junzer" userId="04b849c6f1991e6b" providerId="LiveId" clId="{F0915005-7E82-4659-95A7-5F2AB07A5A72}" dt="2018-10-15T06:42:27.368" v="18" actId="20577"/>
+        <pc:sldMkLst>
+          <pc:docMk/>
+          <pc:sldMk cId="394243577" sldId="256"/>
+        </pc:sldMkLst>
+        <pc:graphicFrameChg chg="modGraphic">
+          <ac:chgData name="Lionel Tan Junzer" userId="04b849c6f1991e6b" providerId="LiveId" clId="{F0915005-7E82-4659-95A7-5F2AB07A5A72}" dt="2018-10-15T06:42:27.368" v="18" actId="20577"/>
+          <ac:graphicFrameMkLst>
+            <pc:docMk/>
+            <pc:sldMk cId="394243577" sldId="256"/>
+            <ac:graphicFrameMk id="5" creationId="{F545FAB8-F1CE-4886-9BDE-E772BCB0A9C4}"/>
+          </ac:graphicFrameMkLst>
+        </pc:graphicFrameChg>
+      </pc:sldChg>
+    </pc:docChg>
+  </pc:docChgLst>
+</pc:chgInfo>
 </file>
 
 <file path=ppt/slideLayouts/slideLayout1.xml><?xml version="1.0" encoding="utf-8"?>
@@ -245,7 +270,7 @@
           <a:p>
             <a:fld id="{8B2F8DF3-7CFE-4C7E-A62E-FD00A81FB0CD}" type="datetimeFigureOut">
               <a:rPr lang="en-US" smtClean="0"/>
-              <a:t>7/6/2018</a:t>
+              <a:t>10/15/2018</a:t>
             </a:fld>
             <a:endParaRPr lang="en-US"/>
           </a:p>
@@ -413,7 +438,7 @@
           <a:p>
             <a:fld id="{8B2F8DF3-7CFE-4C7E-A62E-FD00A81FB0CD}" type="datetimeFigureOut">
               <a:rPr lang="en-US" smtClean="0"/>
-              <a:t>7/6/2018</a:t>
+              <a:t>10/15/2018</a:t>
             </a:fld>
             <a:endParaRPr lang="en-US"/>
           </a:p>
@@ -591,7 +616,7 @@
           <a:p>
             <a:fld id="{8B2F8DF3-7CFE-4C7E-A62E-FD00A81FB0CD}" type="datetimeFigureOut">
               <a:rPr lang="en-US" smtClean="0"/>
-              <a:t>7/6/2018</a:t>
+              <a:t>10/15/2018</a:t>
             </a:fld>
             <a:endParaRPr lang="en-US"/>
           </a:p>
@@ -759,7 +784,7 @@
           <a:p>
             <a:fld id="{8B2F8DF3-7CFE-4C7E-A62E-FD00A81FB0CD}" type="datetimeFigureOut">
               <a:rPr lang="en-US" smtClean="0"/>
-              <a:t>7/6/2018</a:t>
+              <a:t>10/15/2018</a:t>
             </a:fld>
             <a:endParaRPr lang="en-US"/>
           </a:p>
@@ -1004,7 +1029,7 @@
           <a:p>
             <a:fld id="{8B2F8DF3-7CFE-4C7E-A62E-FD00A81FB0CD}" type="datetimeFigureOut">
               <a:rPr lang="en-US" smtClean="0"/>
-              <a:t>7/6/2018</a:t>
+              <a:t>10/15/2018</a:t>
             </a:fld>
             <a:endParaRPr lang="en-US"/>
           </a:p>
@@ -1233,7 +1258,7 @@
           <a:p>
             <a:fld id="{8B2F8DF3-7CFE-4C7E-A62E-FD00A81FB0CD}" type="datetimeFigureOut">
               <a:rPr lang="en-US" smtClean="0"/>
-              <a:t>7/6/2018</a:t>
+              <a:t>10/15/2018</a:t>
             </a:fld>
             <a:endParaRPr lang="en-US"/>
           </a:p>
@@ -1597,7 +1622,7 @@
           <a:p>
             <a:fld id="{8B2F8DF3-7CFE-4C7E-A62E-FD00A81FB0CD}" type="datetimeFigureOut">
               <a:rPr lang="en-US" smtClean="0"/>
-              <a:t>7/6/2018</a:t>
+              <a:t>10/15/2018</a:t>
             </a:fld>
             <a:endParaRPr lang="en-US"/>
           </a:p>
@@ -1714,7 +1739,7 @@
           <a:p>
             <a:fld id="{8B2F8DF3-7CFE-4C7E-A62E-FD00A81FB0CD}" type="datetimeFigureOut">
               <a:rPr lang="en-US" smtClean="0"/>
-              <a:t>7/6/2018</a:t>
+              <a:t>10/15/2018</a:t>
             </a:fld>
             <a:endParaRPr lang="en-US"/>
           </a:p>
@@ -1809,7 +1834,7 @@
           <a:p>
             <a:fld id="{8B2F8DF3-7CFE-4C7E-A62E-FD00A81FB0CD}" type="datetimeFigureOut">
               <a:rPr lang="en-US" smtClean="0"/>
-              <a:t>7/6/2018</a:t>
+              <a:t>10/15/2018</a:t>
             </a:fld>
             <a:endParaRPr lang="en-US"/>
           </a:p>
@@ -2084,7 +2109,7 @@
           <a:p>
             <a:fld id="{8B2F8DF3-7CFE-4C7E-A62E-FD00A81FB0CD}" type="datetimeFigureOut">
               <a:rPr lang="en-US" smtClean="0"/>
-              <a:t>7/6/2018</a:t>
+              <a:t>10/15/2018</a:t>
             </a:fld>
             <a:endParaRPr lang="en-US"/>
           </a:p>
@@ -2336,7 +2361,7 @@
           <a:p>
             <a:fld id="{8B2F8DF3-7CFE-4C7E-A62E-FD00A81FB0CD}" type="datetimeFigureOut">
               <a:rPr lang="en-US" smtClean="0"/>
-              <a:t>7/6/2018</a:t>
+              <a:t>10/15/2018</a:t>
             </a:fld>
             <a:endParaRPr lang="en-US"/>
           </a:p>
@@ -2547,7 +2572,7 @@
           <a:p>
             <a:fld id="{8B2F8DF3-7CFE-4C7E-A62E-FD00A81FB0CD}" type="datetimeFigureOut">
               <a:rPr lang="en-US" smtClean="0"/>
-              <a:t>7/6/2018</a:t>
+              <a:t>10/15/2018</a:t>
             </a:fld>
             <a:endParaRPr lang="en-US"/>
           </a:p>
@@ -3011,7 +3036,7 @@
           <p:nvPr>
             <p:extLst>
               <p:ext uri="{D42A27DB-BD31-4B8C-83A1-F6EECF244321}">
-                <p14:modId xmlns:p14="http://schemas.microsoft.com/office/powerpoint/2010/main" val="1292556626"/>
+                <p14:modId xmlns:p14="http://schemas.microsoft.com/office/powerpoint/2010/main" val="1130835186"/>
               </p:ext>
             </p:extLst>
           </p:nvPr>
@@ -3043,11 +3068,11 @@
                     <a:p>
                       <a:r>
                         <a:rPr lang="en-SG" u="sng" dirty="0"/>
-                        <a:t>ab0:</a:t>
+                        <a:t>wb0:</a:t>
                       </a:r>
                       <a:r>
                         <a:rPr lang="en-SG" sz="1800" u="sng" dirty="0"/>
-                        <a:t>AddressBook</a:t>
+                        <a:t>WishBook</a:t>
                       </a:r>
                       <a:endParaRPr lang="en-SG" sz="1600" u="sng" dirty="0"/>
                     </a:p>

--- a/docs/diagrams/UndoRedoStartingStateListDiagram.pptx
+++ b/docs/diagrams/UndoRedoStartingStateListDiagram.pptx
@@ -112,33 +112,8 @@
 </p:presentation>
 </file>
 
-<file path=ppt/changesInfos/changesInfo1.xml><?xml version="1.0" encoding="utf-8"?>
-<pc:chgInfo xmlns:a="http://schemas.openxmlformats.org/drawingml/2006/main" xmlns:r="http://schemas.openxmlformats.org/officeDocument/2006/relationships" xmlns:ac="http://schemas.microsoft.com/office/drawing/2013/main/command" xmlns:pc="http://schemas.microsoft.com/office/powerpoint/2013/main/command">
-  <pc:docChgLst>
-    <pc:chgData name="Shengmin Leong" userId="075411cc4697ef0d" providerId="LiveId" clId="{7E71F448-A843-46A2-B566-D1B8423FC178}"/>
-    <pc:docChg chg="modSld">
-      <pc:chgData name="Shengmin Leong" userId="075411cc4697ef0d" providerId="LiveId" clId="{7E71F448-A843-46A2-B566-D1B8423FC178}" dt="2018-10-14T08:20:26.870" v="9" actId="20577"/>
-      <pc:docMkLst>
-        <pc:docMk/>
-      </pc:docMkLst>
-      <pc:sldChg chg="modSp">
-        <pc:chgData name="Shengmin Leong" userId="075411cc4697ef0d" providerId="LiveId" clId="{7E71F448-A843-46A2-B566-D1B8423FC178}" dt="2018-10-14T08:20:26.870" v="9" actId="20577"/>
-        <pc:sldMkLst>
-          <pc:docMk/>
-          <pc:sldMk cId="394243577" sldId="256"/>
-        </pc:sldMkLst>
-        <pc:graphicFrameChg chg="modGraphic">
-          <ac:chgData name="Shengmin Leong" userId="075411cc4697ef0d" providerId="LiveId" clId="{7E71F448-A843-46A2-B566-D1B8423FC178}" dt="2018-10-14T08:20:26.870" v="9" actId="20577"/>
-          <ac:graphicFrameMkLst>
-            <pc:docMk/>
-            <pc:sldMk cId="394243577" sldId="256"/>
-            <ac:graphicFrameMk id="5" creationId="{F545FAB8-F1CE-4886-9BDE-E772BCB0A9C4}"/>
-          </ac:graphicFrameMkLst>
-        </pc:graphicFrameChg>
-      </pc:sldChg>
-    </pc:docChg>
-  </pc:docChgLst>
-</pc:chgInfo>
+<file path=ppt/revisionInfo.xml><?xml version="1.0" encoding="utf-8"?>
+<p1510:revInfo xmlns:a="http://schemas.openxmlformats.org/drawingml/2006/main" xmlns:r="http://schemas.openxmlformats.org/officeDocument/2006/relationships" xmlns:p1510="http://schemas.microsoft.com/office/powerpoint/2015/10/main"/>
 </file>
 
 <file path=ppt/slideLayouts/slideLayout1.xml><?xml version="1.0" encoding="utf-8"?>
@@ -270,7 +245,7 @@
           <a:p>
             <a:fld id="{8B2F8DF3-7CFE-4C7E-A62E-FD00A81FB0CD}" type="datetimeFigureOut">
               <a:rPr lang="en-US" smtClean="0"/>
-              <a:t>10/14/2018</a:t>
+              <a:t>7/6/2018</a:t>
             </a:fld>
             <a:endParaRPr lang="en-US"/>
           </a:p>
@@ -438,7 +413,7 @@
           <a:p>
             <a:fld id="{8B2F8DF3-7CFE-4C7E-A62E-FD00A81FB0CD}" type="datetimeFigureOut">
               <a:rPr lang="en-US" smtClean="0"/>
-              <a:t>10/14/2018</a:t>
+              <a:t>7/6/2018</a:t>
             </a:fld>
             <a:endParaRPr lang="en-US"/>
           </a:p>
@@ -616,7 +591,7 @@
           <a:p>
             <a:fld id="{8B2F8DF3-7CFE-4C7E-A62E-FD00A81FB0CD}" type="datetimeFigureOut">
               <a:rPr lang="en-US" smtClean="0"/>
-              <a:t>10/14/2018</a:t>
+              <a:t>7/6/2018</a:t>
             </a:fld>
             <a:endParaRPr lang="en-US"/>
           </a:p>
@@ -784,7 +759,7 @@
           <a:p>
             <a:fld id="{8B2F8DF3-7CFE-4C7E-A62E-FD00A81FB0CD}" type="datetimeFigureOut">
               <a:rPr lang="en-US" smtClean="0"/>
-              <a:t>10/14/2018</a:t>
+              <a:t>7/6/2018</a:t>
             </a:fld>
             <a:endParaRPr lang="en-US"/>
           </a:p>
@@ -1029,7 +1004,7 @@
           <a:p>
             <a:fld id="{8B2F8DF3-7CFE-4C7E-A62E-FD00A81FB0CD}" type="datetimeFigureOut">
               <a:rPr lang="en-US" smtClean="0"/>
-              <a:t>10/14/2018</a:t>
+              <a:t>7/6/2018</a:t>
             </a:fld>
             <a:endParaRPr lang="en-US"/>
           </a:p>
@@ -1258,7 +1233,7 @@
           <a:p>
             <a:fld id="{8B2F8DF3-7CFE-4C7E-A62E-FD00A81FB0CD}" type="datetimeFigureOut">
               <a:rPr lang="en-US" smtClean="0"/>
-              <a:t>10/14/2018</a:t>
+              <a:t>7/6/2018</a:t>
             </a:fld>
             <a:endParaRPr lang="en-US"/>
           </a:p>
@@ -1622,7 +1597,7 @@
           <a:p>
             <a:fld id="{8B2F8DF3-7CFE-4C7E-A62E-FD00A81FB0CD}" type="datetimeFigureOut">
               <a:rPr lang="en-US" smtClean="0"/>
-              <a:t>10/14/2018</a:t>
+              <a:t>7/6/2018</a:t>
             </a:fld>
             <a:endParaRPr lang="en-US"/>
           </a:p>
@@ -1739,7 +1714,7 @@
           <a:p>
             <a:fld id="{8B2F8DF3-7CFE-4C7E-A62E-FD00A81FB0CD}" type="datetimeFigureOut">
               <a:rPr lang="en-US" smtClean="0"/>
-              <a:t>10/14/2018</a:t>
+              <a:t>7/6/2018</a:t>
             </a:fld>
             <a:endParaRPr lang="en-US"/>
           </a:p>
@@ -1834,7 +1809,7 @@
           <a:p>
             <a:fld id="{8B2F8DF3-7CFE-4C7E-A62E-FD00A81FB0CD}" type="datetimeFigureOut">
               <a:rPr lang="en-US" smtClean="0"/>
-              <a:t>10/14/2018</a:t>
+              <a:t>7/6/2018</a:t>
             </a:fld>
             <a:endParaRPr lang="en-US"/>
           </a:p>
@@ -2109,7 +2084,7 @@
           <a:p>
             <a:fld id="{8B2F8DF3-7CFE-4C7E-A62E-FD00A81FB0CD}" type="datetimeFigureOut">
               <a:rPr lang="en-US" smtClean="0"/>
-              <a:t>10/14/2018</a:t>
+              <a:t>7/6/2018</a:t>
             </a:fld>
             <a:endParaRPr lang="en-US"/>
           </a:p>
@@ -2361,7 +2336,7 @@
           <a:p>
             <a:fld id="{8B2F8DF3-7CFE-4C7E-A62E-FD00A81FB0CD}" type="datetimeFigureOut">
               <a:rPr lang="en-US" smtClean="0"/>
-              <a:t>10/14/2018</a:t>
+              <a:t>7/6/2018</a:t>
             </a:fld>
             <a:endParaRPr lang="en-US"/>
           </a:p>
@@ -2572,7 +2547,7 @@
           <a:p>
             <a:fld id="{8B2F8DF3-7CFE-4C7E-A62E-FD00A81FB0CD}" type="datetimeFigureOut">
               <a:rPr lang="en-US" smtClean="0"/>
-              <a:t>10/14/2018</a:t>
+              <a:t>7/6/2018</a:t>
             </a:fld>
             <a:endParaRPr lang="en-US"/>
           </a:p>
@@ -3036,7 +3011,7 @@
           <p:nvPr>
             <p:extLst>
               <p:ext uri="{D42A27DB-BD31-4B8C-83A1-F6EECF244321}">
-                <p14:modId xmlns:p14="http://schemas.microsoft.com/office/powerpoint/2010/main" val="4255209693"/>
+                <p14:modId xmlns:p14="http://schemas.microsoft.com/office/powerpoint/2010/main" val="1292556626"/>
               </p:ext>
             </p:extLst>
           </p:nvPr>
@@ -3067,12 +3042,12 @@
                     <a:lstStyle/>
                     <a:p>
                       <a:r>
-                        <a:rPr lang="en-SG" u="sng"/>
-                        <a:t>wb0:</a:t>
+                        <a:rPr lang="en-SG" u="sng" dirty="0"/>
+                        <a:t>ab0:</a:t>
                       </a:r>
                       <a:r>
-                        <a:rPr lang="en-SG" sz="1800" u="sng"/>
-                        <a:t>WishBook</a:t>
+                        <a:rPr lang="en-SG" sz="1800" u="sng" dirty="0"/>
+                        <a:t>AddressBook</a:t>
                       </a:r>
                       <a:endParaRPr lang="en-SG" sz="1600" u="sng" dirty="0"/>
                     </a:p>

--- a/docs/diagrams/UndoRedoStartingStateListDiagram.pptx
+++ b/docs/diagrams/UndoRedoStartingStateListDiagram.pptx
@@ -245,7 +245,7 @@
           <a:p>
             <a:fld id="{8B2F8DF3-7CFE-4C7E-A62E-FD00A81FB0CD}" type="datetimeFigureOut">
               <a:rPr lang="en-US" smtClean="0"/>
-              <a:t>7/6/2018</a:t>
+              <a:t>10/18/18</a:t>
             </a:fld>
             <a:endParaRPr lang="en-US"/>
           </a:p>
@@ -413,7 +413,7 @@
           <a:p>
             <a:fld id="{8B2F8DF3-7CFE-4C7E-A62E-FD00A81FB0CD}" type="datetimeFigureOut">
               <a:rPr lang="en-US" smtClean="0"/>
-              <a:t>7/6/2018</a:t>
+              <a:t>10/18/18</a:t>
             </a:fld>
             <a:endParaRPr lang="en-US"/>
           </a:p>
@@ -591,7 +591,7 @@
           <a:p>
             <a:fld id="{8B2F8DF3-7CFE-4C7E-A62E-FD00A81FB0CD}" type="datetimeFigureOut">
               <a:rPr lang="en-US" smtClean="0"/>
-              <a:t>7/6/2018</a:t>
+              <a:t>10/18/18</a:t>
             </a:fld>
             <a:endParaRPr lang="en-US"/>
           </a:p>
@@ -759,7 +759,7 @@
           <a:p>
             <a:fld id="{8B2F8DF3-7CFE-4C7E-A62E-FD00A81FB0CD}" type="datetimeFigureOut">
               <a:rPr lang="en-US" smtClean="0"/>
-              <a:t>7/6/2018</a:t>
+              <a:t>10/18/18</a:t>
             </a:fld>
             <a:endParaRPr lang="en-US"/>
           </a:p>
@@ -1004,7 +1004,7 @@
           <a:p>
             <a:fld id="{8B2F8DF3-7CFE-4C7E-A62E-FD00A81FB0CD}" type="datetimeFigureOut">
               <a:rPr lang="en-US" smtClean="0"/>
-              <a:t>7/6/2018</a:t>
+              <a:t>10/18/18</a:t>
             </a:fld>
             <a:endParaRPr lang="en-US"/>
           </a:p>
@@ -1233,7 +1233,7 @@
           <a:p>
             <a:fld id="{8B2F8DF3-7CFE-4C7E-A62E-FD00A81FB0CD}" type="datetimeFigureOut">
               <a:rPr lang="en-US" smtClean="0"/>
-              <a:t>7/6/2018</a:t>
+              <a:t>10/18/18</a:t>
             </a:fld>
             <a:endParaRPr lang="en-US"/>
           </a:p>
@@ -1597,7 +1597,7 @@
           <a:p>
             <a:fld id="{8B2F8DF3-7CFE-4C7E-A62E-FD00A81FB0CD}" type="datetimeFigureOut">
               <a:rPr lang="en-US" smtClean="0"/>
-              <a:t>7/6/2018</a:t>
+              <a:t>10/18/18</a:t>
             </a:fld>
             <a:endParaRPr lang="en-US"/>
           </a:p>
@@ -1714,7 +1714,7 @@
           <a:p>
             <a:fld id="{8B2F8DF3-7CFE-4C7E-A62E-FD00A81FB0CD}" type="datetimeFigureOut">
               <a:rPr lang="en-US" smtClean="0"/>
-              <a:t>7/6/2018</a:t>
+              <a:t>10/18/18</a:t>
             </a:fld>
             <a:endParaRPr lang="en-US"/>
           </a:p>
@@ -1809,7 +1809,7 @@
           <a:p>
             <a:fld id="{8B2F8DF3-7CFE-4C7E-A62E-FD00A81FB0CD}" type="datetimeFigureOut">
               <a:rPr lang="en-US" smtClean="0"/>
-              <a:t>7/6/2018</a:t>
+              <a:t>10/18/18</a:t>
             </a:fld>
             <a:endParaRPr lang="en-US"/>
           </a:p>
@@ -2084,7 +2084,7 @@
           <a:p>
             <a:fld id="{8B2F8DF3-7CFE-4C7E-A62E-FD00A81FB0CD}" type="datetimeFigureOut">
               <a:rPr lang="en-US" smtClean="0"/>
-              <a:t>7/6/2018</a:t>
+              <a:t>10/18/18</a:t>
             </a:fld>
             <a:endParaRPr lang="en-US"/>
           </a:p>
@@ -2336,7 +2336,7 @@
           <a:p>
             <a:fld id="{8B2F8DF3-7CFE-4C7E-A62E-FD00A81FB0CD}" type="datetimeFigureOut">
               <a:rPr lang="en-US" smtClean="0"/>
-              <a:t>7/6/2018</a:t>
+              <a:t>10/18/18</a:t>
             </a:fld>
             <a:endParaRPr lang="en-US"/>
           </a:p>
@@ -2547,7 +2547,7 @@
           <a:p>
             <a:fld id="{8B2F8DF3-7CFE-4C7E-A62E-FD00A81FB0CD}" type="datetimeFigureOut">
               <a:rPr lang="en-US" smtClean="0"/>
-              <a:t>7/6/2018</a:t>
+              <a:t>10/18/18</a:t>
             </a:fld>
             <a:endParaRPr lang="en-US"/>
           </a:p>
@@ -2957,7 +2957,7 @@
           <p:cNvPr id="4" name="TextBox 3">
             <a:extLst>
               <a:ext uri="{FF2B5EF4-FFF2-40B4-BE49-F238E27FC236}">
-                <a16:creationId xmlns:a16="http://schemas.microsoft.com/office/drawing/2014/main" id="{3151A13B-9509-43FA-BFEB-1D9866A00B84}"/>
+                <a16:creationId xmlns:a16="http://schemas.microsoft.com/office/drawing/2014/main" xmlns="" id="{3151A13B-9509-43FA-BFEB-1D9866A00B84}"/>
               </a:ext>
             </a:extLst>
           </p:cNvPr>
@@ -3001,7 +3001,7 @@
           <p:cNvPr id="5" name="Table 4">
             <a:extLst>
               <a:ext uri="{FF2B5EF4-FFF2-40B4-BE49-F238E27FC236}">
-                <a16:creationId xmlns:a16="http://schemas.microsoft.com/office/drawing/2014/main" id="{F545FAB8-F1CE-4886-9BDE-E772BCB0A9C4}"/>
+                <a16:creationId xmlns:a16="http://schemas.microsoft.com/office/drawing/2014/main" xmlns="" id="{F545FAB8-F1CE-4886-9BDE-E772BCB0A9C4}"/>
               </a:ext>
             </a:extLst>
           </p:cNvPr>
@@ -3011,14 +3011,14 @@
           <p:nvPr>
             <p:extLst>
               <p:ext uri="{D42A27DB-BD31-4B8C-83A1-F6EECF244321}">
-                <p14:modId xmlns:p14="http://schemas.microsoft.com/office/powerpoint/2010/main" val="1292556626"/>
+                <p14:modId xmlns:p14="http://schemas.microsoft.com/office/powerpoint/2010/main" val="1223557426"/>
               </p:ext>
             </p:extLst>
           </p:nvPr>
         </p:nvGraphicFramePr>
         <p:xfrm>
-          <a:off x="637997" y="2769442"/>
-          <a:ext cx="1833356" cy="410363"/>
+          <a:off x="637996" y="2769442"/>
+          <a:ext cx="2052651" cy="410363"/>
         </p:xfrm>
         <a:graphic>
           <a:graphicData uri="http://schemas.openxmlformats.org/drawingml/2006/table">
@@ -3027,10 +3027,10 @@
                 <a:tableStyleId>{638B1855-1B75-4FBE-930C-398BA8C253C6}</a:tableStyleId>
               </a:tblPr>
               <a:tblGrid>
-                <a:gridCol w="1833356">
+                <a:gridCol w="2052651">
                   <a:extLst>
                     <a:ext uri="{9D8B030D-6E8A-4147-A177-3AD203B41FA5}">
-                      <a16:colId xmlns:a16="http://schemas.microsoft.com/office/drawing/2014/main" val="4240773277"/>
+                      <a16:colId xmlns:a16="http://schemas.microsoft.com/office/drawing/2014/main" xmlns="" val="4240773277"/>
                     </a:ext>
                   </a:extLst>
                 </a:gridCol>
@@ -3041,22 +3041,54 @@
                     <a:bodyPr/>
                     <a:lstStyle/>
                     <a:p>
+                      <a:pPr marL="0" marR="0" indent="0" algn="l" defTabSz="914400" rtl="0" eaLnBrk="1" fontAlgn="auto" latinLnBrk="0" hangingPunct="1">
+                        <a:lnSpc>
+                          <a:spcPct val="100000"/>
+                        </a:lnSpc>
+                        <a:spcBef>
+                          <a:spcPts val="0"/>
+                        </a:spcBef>
+                        <a:spcAft>
+                          <a:spcPts val="0"/>
+                        </a:spcAft>
+                        <a:buClrTx/>
+                        <a:buSzTx/>
+                        <a:buFontTx/>
+                        <a:buNone/>
+                        <a:tabLst/>
+                        <a:defRPr/>
+                      </a:pPr>
                       <a:r>
-                        <a:rPr lang="en-SG" u="sng" dirty="0"/>
-                        <a:t>ab0:</a:t>
+                        <a:rPr lang="en-US" sz="1800" u="sng" kern="1200" dirty="0" smtClean="0">
+                          <a:solidFill>
+                            <a:schemeClr val="lt1"/>
+                          </a:solidFill>
+                          <a:effectLst/>
+                          <a:latin typeface="+mn-lt"/>
+                          <a:ea typeface="+mn-ea"/>
+                          <a:cs typeface="+mn-cs"/>
+                        </a:rPr>
+                        <a:t>tm0:TaskManager</a:t>
                       </a:r>
                       <a:r>
-                        <a:rPr lang="en-SG" sz="1800" u="sng" dirty="0"/>
-                        <a:t>AddressBook</a:t>
+                        <a:rPr lang="en-US" sz="1800" kern="1200" dirty="0" smtClean="0">
+                          <a:solidFill>
+                            <a:schemeClr val="lt1"/>
+                          </a:solidFill>
+                          <a:effectLst/>
+                          <a:latin typeface="+mn-lt"/>
+                          <a:ea typeface="+mn-ea"/>
+                          <a:cs typeface="+mn-cs"/>
+                        </a:rPr>
+                        <a:t> </a:t>
                       </a:r>
-                      <a:endParaRPr lang="en-SG" sz="1600" u="sng" dirty="0"/>
                     </a:p>
                   </a:txBody>
                   <a:tcPr/>
                 </a:tc>
                 <a:extLst>
                   <a:ext uri="{0D108BD9-81ED-4DB2-BD59-A6C34878D82A}">
-                    <a16:rowId xmlns:a16="http://schemas.microsoft.com/office/drawing/2014/main" val="2194462629"/>
+                    <a16:rowId xmlns:a16="http://schemas.microsoft.com/office/drawing/2014/main" xmlns="" val="2194462629"/>
                   </a:ext>
                 </a:extLst>
               </a:tr>
@@ -3115,7 +3147,7 @@
           <p:cNvPr id="3" name="Straight Arrow Connector 2">
             <a:extLst>
               <a:ext uri="{FF2B5EF4-FFF2-40B4-BE49-F238E27FC236}">
-                <a16:creationId xmlns:a16="http://schemas.microsoft.com/office/drawing/2014/main" id="{19F1196F-B136-4E44-A8A5-68CAEED3CD2E}"/>
+                <a16:creationId xmlns:a16="http://schemas.microsoft.com/office/drawing/2014/main" xmlns="" id="{19F1196F-B136-4E44-A8A5-68CAEED3CD2E}"/>
               </a:ext>
             </a:extLst>
           </p:cNvPr>

--- a/docs/diagrams/UndoRedoStartingStateListDiagram.pptx
+++ b/docs/diagrams/UndoRedoStartingStateListDiagram.pptx
@@ -112,10 +112,6 @@
 </p:presentation>
 </file>
 
-<file path=ppt/revisionInfo.xml><?xml version="1.0" encoding="utf-8"?>
-<p1510:revInfo xmlns:a="http://schemas.openxmlformats.org/drawingml/2006/main" xmlns:r="http://schemas.openxmlformats.org/officeDocument/2006/relationships" xmlns:p1510="http://schemas.microsoft.com/office/powerpoint/2015/10/main"/>
-</file>
-
 <file path=ppt/slideLayouts/slideLayout1.xml><?xml version="1.0" encoding="utf-8"?>
 <p:sldLayout xmlns:a="http://schemas.openxmlformats.org/drawingml/2006/main" xmlns:r="http://schemas.openxmlformats.org/officeDocument/2006/relationships" xmlns:p="http://schemas.openxmlformats.org/presentationml/2006/main" type="title" preserve="1">
   <p:cSld name="Title Slide">
@@ -245,7 +241,7 @@
           <a:p>
             <a:fld id="{8B2F8DF3-7CFE-4C7E-A62E-FD00A81FB0CD}" type="datetimeFigureOut">
               <a:rPr lang="en-US" smtClean="0"/>
-              <a:t>7/6/2018</a:t>
+              <a:t>10/22/2018</a:t>
             </a:fld>
             <a:endParaRPr lang="en-US"/>
           </a:p>
@@ -413,7 +409,7 @@
           <a:p>
             <a:fld id="{8B2F8DF3-7CFE-4C7E-A62E-FD00A81FB0CD}" type="datetimeFigureOut">
               <a:rPr lang="en-US" smtClean="0"/>
-              <a:t>7/6/2018</a:t>
+              <a:t>10/22/2018</a:t>
             </a:fld>
             <a:endParaRPr lang="en-US"/>
           </a:p>
@@ -591,7 +587,7 @@
           <a:p>
             <a:fld id="{8B2F8DF3-7CFE-4C7E-A62E-FD00A81FB0CD}" type="datetimeFigureOut">
               <a:rPr lang="en-US" smtClean="0"/>
-              <a:t>7/6/2018</a:t>
+              <a:t>10/22/2018</a:t>
             </a:fld>
             <a:endParaRPr lang="en-US"/>
           </a:p>
@@ -759,7 +755,7 @@
           <a:p>
             <a:fld id="{8B2F8DF3-7CFE-4C7E-A62E-FD00A81FB0CD}" type="datetimeFigureOut">
               <a:rPr lang="en-US" smtClean="0"/>
-              <a:t>7/6/2018</a:t>
+              <a:t>10/22/2018</a:t>
             </a:fld>
             <a:endParaRPr lang="en-US"/>
           </a:p>
@@ -1004,7 +1000,7 @@
           <a:p>
             <a:fld id="{8B2F8DF3-7CFE-4C7E-A62E-FD00A81FB0CD}" type="datetimeFigureOut">
               <a:rPr lang="en-US" smtClean="0"/>
-              <a:t>7/6/2018</a:t>
+              <a:t>10/22/2018</a:t>
             </a:fld>
             <a:endParaRPr lang="en-US"/>
           </a:p>
@@ -1233,7 +1229,7 @@
           <a:p>
             <a:fld id="{8B2F8DF3-7CFE-4C7E-A62E-FD00A81FB0CD}" type="datetimeFigureOut">
               <a:rPr lang="en-US" smtClean="0"/>
-              <a:t>7/6/2018</a:t>
+              <a:t>10/22/2018</a:t>
             </a:fld>
             <a:endParaRPr lang="en-US"/>
           </a:p>
@@ -1597,7 +1593,7 @@
           <a:p>
             <a:fld id="{8B2F8DF3-7CFE-4C7E-A62E-FD00A81FB0CD}" type="datetimeFigureOut">
               <a:rPr lang="en-US" smtClean="0"/>
-              <a:t>7/6/2018</a:t>
+              <a:t>10/22/2018</a:t>
             </a:fld>
             <a:endParaRPr lang="en-US"/>
           </a:p>
@@ -1714,7 +1710,7 @@
           <a:p>
             <a:fld id="{8B2F8DF3-7CFE-4C7E-A62E-FD00A81FB0CD}" type="datetimeFigureOut">
               <a:rPr lang="en-US" smtClean="0"/>
-              <a:t>7/6/2018</a:t>
+              <a:t>10/22/2018</a:t>
             </a:fld>
             <a:endParaRPr lang="en-US"/>
           </a:p>
@@ -1809,7 +1805,7 @@
           <a:p>
             <a:fld id="{8B2F8DF3-7CFE-4C7E-A62E-FD00A81FB0CD}" type="datetimeFigureOut">
               <a:rPr lang="en-US" smtClean="0"/>
-              <a:t>7/6/2018</a:t>
+              <a:t>10/22/2018</a:t>
             </a:fld>
             <a:endParaRPr lang="en-US"/>
           </a:p>
@@ -2084,7 +2080,7 @@
           <a:p>
             <a:fld id="{8B2F8DF3-7CFE-4C7E-A62E-FD00A81FB0CD}" type="datetimeFigureOut">
               <a:rPr lang="en-US" smtClean="0"/>
-              <a:t>7/6/2018</a:t>
+              <a:t>10/22/2018</a:t>
             </a:fld>
             <a:endParaRPr lang="en-US"/>
           </a:p>
@@ -2336,7 +2332,7 @@
           <a:p>
             <a:fld id="{8B2F8DF3-7CFE-4C7E-A62E-FD00A81FB0CD}" type="datetimeFigureOut">
               <a:rPr lang="en-US" smtClean="0"/>
-              <a:t>7/6/2018</a:t>
+              <a:t>10/22/2018</a:t>
             </a:fld>
             <a:endParaRPr lang="en-US"/>
           </a:p>
@@ -2547,7 +2543,7 @@
           <a:p>
             <a:fld id="{8B2F8DF3-7CFE-4C7E-A62E-FD00A81FB0CD}" type="datetimeFigureOut">
               <a:rPr lang="en-US" smtClean="0"/>
-              <a:t>7/6/2018</a:t>
+              <a:t>10/22/2018</a:t>
             </a:fld>
             <a:endParaRPr lang="en-US"/>
           </a:p>
@@ -3011,14 +3007,14 @@
           <p:nvPr>
             <p:extLst>
               <p:ext uri="{D42A27DB-BD31-4B8C-83A1-F6EECF244321}">
-                <p14:modId xmlns:p14="http://schemas.microsoft.com/office/powerpoint/2010/main" val="1292556626"/>
+                <p14:modId xmlns:p14="http://schemas.microsoft.com/office/powerpoint/2010/main" val="2043899071"/>
               </p:ext>
             </p:extLst>
           </p:nvPr>
         </p:nvGraphicFramePr>
         <p:xfrm>
-          <a:off x="637997" y="2769442"/>
-          <a:ext cx="1833356" cy="410363"/>
+          <a:off x="637996" y="2769442"/>
+          <a:ext cx="2281049" cy="410363"/>
         </p:xfrm>
         <a:graphic>
           <a:graphicData uri="http://schemas.openxmlformats.org/drawingml/2006/table">
@@ -3027,7 +3023,7 @@
                 <a:tableStyleId>{638B1855-1B75-4FBE-930C-398BA8C253C6}</a:tableStyleId>
               </a:tblPr>
               <a:tblGrid>
-                <a:gridCol w="1833356">
+                <a:gridCol w="2281049">
                   <a:extLst>
                     <a:ext uri="{9D8B030D-6E8A-4147-A177-3AD203B41FA5}">
                       <a16:colId xmlns:a16="http://schemas.microsoft.com/office/drawing/2014/main" val="4240773277"/>
@@ -3043,11 +3039,11 @@
                     <a:p>
                       <a:r>
                         <a:rPr lang="en-SG" u="sng" dirty="0"/>
-                        <a:t>ab0:</a:t>
+                        <a:t>sp0:</a:t>
                       </a:r>
                       <a:r>
                         <a:rPr lang="en-SG" sz="1800" u="sng" dirty="0"/>
-                        <a:t>AddressBook</a:t>
+                        <a:t>SchedulePlanner</a:t>
                       </a:r>
                       <a:endParaRPr lang="en-SG" sz="1600" u="sng" dirty="0"/>
                     </a:p>

--- a/docs/diagrams/UndoRedoStartingStateListDiagram.pptx
+++ b/docs/diagrams/UndoRedoStartingStateListDiagram.pptx
@@ -112,10 +112,6 @@
 </p:presentation>
 </file>
 
-<file path=ppt/revisionInfo.xml><?xml version="1.0" encoding="utf-8"?>
-<p1510:revInfo xmlns:a="http://schemas.openxmlformats.org/drawingml/2006/main" xmlns:r="http://schemas.openxmlformats.org/officeDocument/2006/relationships" xmlns:p1510="http://schemas.microsoft.com/office/powerpoint/2015/10/main"/>
-</file>
-
 <file path=ppt/slideLayouts/slideLayout1.xml><?xml version="1.0" encoding="utf-8"?>
 <p:sldLayout xmlns:a="http://schemas.openxmlformats.org/drawingml/2006/main" xmlns:r="http://schemas.openxmlformats.org/officeDocument/2006/relationships" xmlns:p="http://schemas.openxmlformats.org/presentationml/2006/main" type="title" preserve="1">
   <p:cSld name="Title Slide">
@@ -245,7 +241,7 @@
           <a:p>
             <a:fld id="{8B2F8DF3-7CFE-4C7E-A62E-FD00A81FB0CD}" type="datetimeFigureOut">
               <a:rPr lang="en-US" smtClean="0"/>
-              <a:t>7/6/2018</a:t>
+              <a:t>10/25/2018</a:t>
             </a:fld>
             <a:endParaRPr lang="en-US"/>
           </a:p>
@@ -413,7 +409,7 @@
           <a:p>
             <a:fld id="{8B2F8DF3-7CFE-4C7E-A62E-FD00A81FB0CD}" type="datetimeFigureOut">
               <a:rPr lang="en-US" smtClean="0"/>
-              <a:t>7/6/2018</a:t>
+              <a:t>10/25/2018</a:t>
             </a:fld>
             <a:endParaRPr lang="en-US"/>
           </a:p>
@@ -591,7 +587,7 @@
           <a:p>
             <a:fld id="{8B2F8DF3-7CFE-4C7E-A62E-FD00A81FB0CD}" type="datetimeFigureOut">
               <a:rPr lang="en-US" smtClean="0"/>
-              <a:t>7/6/2018</a:t>
+              <a:t>10/25/2018</a:t>
             </a:fld>
             <a:endParaRPr lang="en-US"/>
           </a:p>
@@ -759,7 +755,7 @@
           <a:p>
             <a:fld id="{8B2F8DF3-7CFE-4C7E-A62E-FD00A81FB0CD}" type="datetimeFigureOut">
               <a:rPr lang="en-US" smtClean="0"/>
-              <a:t>7/6/2018</a:t>
+              <a:t>10/25/2018</a:t>
             </a:fld>
             <a:endParaRPr lang="en-US"/>
           </a:p>
@@ -1004,7 +1000,7 @@
           <a:p>
             <a:fld id="{8B2F8DF3-7CFE-4C7E-A62E-FD00A81FB0CD}" type="datetimeFigureOut">
               <a:rPr lang="en-US" smtClean="0"/>
-              <a:t>7/6/2018</a:t>
+              <a:t>10/25/2018</a:t>
             </a:fld>
             <a:endParaRPr lang="en-US"/>
           </a:p>
@@ -1233,7 +1229,7 @@
           <a:p>
             <a:fld id="{8B2F8DF3-7CFE-4C7E-A62E-FD00A81FB0CD}" type="datetimeFigureOut">
               <a:rPr lang="en-US" smtClean="0"/>
-              <a:t>7/6/2018</a:t>
+              <a:t>10/25/2018</a:t>
             </a:fld>
             <a:endParaRPr lang="en-US"/>
           </a:p>
@@ -1597,7 +1593,7 @@
           <a:p>
             <a:fld id="{8B2F8DF3-7CFE-4C7E-A62E-FD00A81FB0CD}" type="datetimeFigureOut">
               <a:rPr lang="en-US" smtClean="0"/>
-              <a:t>7/6/2018</a:t>
+              <a:t>10/25/2018</a:t>
             </a:fld>
             <a:endParaRPr lang="en-US"/>
           </a:p>
@@ -1714,7 +1710,7 @@
           <a:p>
             <a:fld id="{8B2F8DF3-7CFE-4C7E-A62E-FD00A81FB0CD}" type="datetimeFigureOut">
               <a:rPr lang="en-US" smtClean="0"/>
-              <a:t>7/6/2018</a:t>
+              <a:t>10/25/2018</a:t>
             </a:fld>
             <a:endParaRPr lang="en-US"/>
           </a:p>
@@ -1809,7 +1805,7 @@
           <a:p>
             <a:fld id="{8B2F8DF3-7CFE-4C7E-A62E-FD00A81FB0CD}" type="datetimeFigureOut">
               <a:rPr lang="en-US" smtClean="0"/>
-              <a:t>7/6/2018</a:t>
+              <a:t>10/25/2018</a:t>
             </a:fld>
             <a:endParaRPr lang="en-US"/>
           </a:p>
@@ -2084,7 +2080,7 @@
           <a:p>
             <a:fld id="{8B2F8DF3-7CFE-4C7E-A62E-FD00A81FB0CD}" type="datetimeFigureOut">
               <a:rPr lang="en-US" smtClean="0"/>
-              <a:t>7/6/2018</a:t>
+              <a:t>10/25/2018</a:t>
             </a:fld>
             <a:endParaRPr lang="en-US"/>
           </a:p>
@@ -2336,7 +2332,7 @@
           <a:p>
             <a:fld id="{8B2F8DF3-7CFE-4C7E-A62E-FD00A81FB0CD}" type="datetimeFigureOut">
               <a:rPr lang="en-US" smtClean="0"/>
-              <a:t>7/6/2018</a:t>
+              <a:t>10/25/2018</a:t>
             </a:fld>
             <a:endParaRPr lang="en-US"/>
           </a:p>
@@ -2547,7 +2543,7 @@
           <a:p>
             <a:fld id="{8B2F8DF3-7CFE-4C7E-A62E-FD00A81FB0CD}" type="datetimeFigureOut">
               <a:rPr lang="en-US" smtClean="0"/>
-              <a:t>7/6/2018</a:t>
+              <a:t>10/25/2018</a:t>
             </a:fld>
             <a:endParaRPr lang="en-US"/>
           </a:p>
@@ -3011,7 +3007,7 @@
           <p:nvPr>
             <p:extLst>
               <p:ext uri="{D42A27DB-BD31-4B8C-83A1-F6EECF244321}">
-                <p14:modId xmlns:p14="http://schemas.microsoft.com/office/powerpoint/2010/main" val="1292556626"/>
+                <p14:modId xmlns:p14="http://schemas.microsoft.com/office/powerpoint/2010/main" val="338697979"/>
               </p:ext>
             </p:extLst>
           </p:nvPr>
@@ -3043,11 +3039,11 @@
                     <a:p>
                       <a:r>
                         <a:rPr lang="en-SG" u="sng" dirty="0"/>
-                        <a:t>ab0:</a:t>
+                        <a:t>schd0:</a:t>
                       </a:r>
                       <a:r>
                         <a:rPr lang="en-SG" sz="1800" u="sng" dirty="0"/>
-                        <a:t>AddressBook</a:t>
+                        <a:t>Scheduler</a:t>
                       </a:r>
                       <a:endParaRPr lang="en-SG" sz="1600" u="sng" dirty="0"/>
                     </a:p>

--- a/docs/diagrams/UndoRedoStartingStateListDiagram.pptx
+++ b/docs/diagrams/UndoRedoStartingStateListDiagram.pptx
@@ -112,10 +112,6 @@
 </p:presentation>
 </file>
 
-<file path=ppt/revisionInfo.xml><?xml version="1.0" encoding="utf-8"?>
-<p1510:revInfo xmlns:a="http://schemas.openxmlformats.org/drawingml/2006/main" xmlns:r="http://schemas.openxmlformats.org/officeDocument/2006/relationships" xmlns:p1510="http://schemas.microsoft.com/office/powerpoint/2015/10/main"/>
-</file>
-
 <file path=ppt/slideLayouts/slideLayout1.xml><?xml version="1.0" encoding="utf-8"?>
 <p:sldLayout xmlns:a="http://schemas.openxmlformats.org/drawingml/2006/main" xmlns:r="http://schemas.openxmlformats.org/officeDocument/2006/relationships" xmlns:p="http://schemas.openxmlformats.org/presentationml/2006/main" type="title" preserve="1">
   <p:cSld name="Title Slide">
@@ -245,7 +241,7 @@
           <a:p>
             <a:fld id="{8B2F8DF3-7CFE-4C7E-A62E-FD00A81FB0CD}" type="datetimeFigureOut">
               <a:rPr lang="en-US" smtClean="0"/>
-              <a:t>7/6/2018</a:t>
+              <a:t>11/6/2018</a:t>
             </a:fld>
             <a:endParaRPr lang="en-US"/>
           </a:p>
@@ -413,7 +409,7 @@
           <a:p>
             <a:fld id="{8B2F8DF3-7CFE-4C7E-A62E-FD00A81FB0CD}" type="datetimeFigureOut">
               <a:rPr lang="en-US" smtClean="0"/>
-              <a:t>7/6/2018</a:t>
+              <a:t>11/6/2018</a:t>
             </a:fld>
             <a:endParaRPr lang="en-US"/>
           </a:p>
@@ -591,7 +587,7 @@
           <a:p>
             <a:fld id="{8B2F8DF3-7CFE-4C7E-A62E-FD00A81FB0CD}" type="datetimeFigureOut">
               <a:rPr lang="en-US" smtClean="0"/>
-              <a:t>7/6/2018</a:t>
+              <a:t>11/6/2018</a:t>
             </a:fld>
             <a:endParaRPr lang="en-US"/>
           </a:p>
@@ -759,7 +755,7 @@
           <a:p>
             <a:fld id="{8B2F8DF3-7CFE-4C7E-A62E-FD00A81FB0CD}" type="datetimeFigureOut">
               <a:rPr lang="en-US" smtClean="0"/>
-              <a:t>7/6/2018</a:t>
+              <a:t>11/6/2018</a:t>
             </a:fld>
             <a:endParaRPr lang="en-US"/>
           </a:p>
@@ -1004,7 +1000,7 @@
           <a:p>
             <a:fld id="{8B2F8DF3-7CFE-4C7E-A62E-FD00A81FB0CD}" type="datetimeFigureOut">
               <a:rPr lang="en-US" smtClean="0"/>
-              <a:t>7/6/2018</a:t>
+              <a:t>11/6/2018</a:t>
             </a:fld>
             <a:endParaRPr lang="en-US"/>
           </a:p>
@@ -1233,7 +1229,7 @@
           <a:p>
             <a:fld id="{8B2F8DF3-7CFE-4C7E-A62E-FD00A81FB0CD}" type="datetimeFigureOut">
               <a:rPr lang="en-US" smtClean="0"/>
-              <a:t>7/6/2018</a:t>
+              <a:t>11/6/2018</a:t>
             </a:fld>
             <a:endParaRPr lang="en-US"/>
           </a:p>
@@ -1597,7 +1593,7 @@
           <a:p>
             <a:fld id="{8B2F8DF3-7CFE-4C7E-A62E-FD00A81FB0CD}" type="datetimeFigureOut">
               <a:rPr lang="en-US" smtClean="0"/>
-              <a:t>7/6/2018</a:t>
+              <a:t>11/6/2018</a:t>
             </a:fld>
             <a:endParaRPr lang="en-US"/>
           </a:p>
@@ -1714,7 +1710,7 @@
           <a:p>
             <a:fld id="{8B2F8DF3-7CFE-4C7E-A62E-FD00A81FB0CD}" type="datetimeFigureOut">
               <a:rPr lang="en-US" smtClean="0"/>
-              <a:t>7/6/2018</a:t>
+              <a:t>11/6/2018</a:t>
             </a:fld>
             <a:endParaRPr lang="en-US"/>
           </a:p>
@@ -1809,7 +1805,7 @@
           <a:p>
             <a:fld id="{8B2F8DF3-7CFE-4C7E-A62E-FD00A81FB0CD}" type="datetimeFigureOut">
               <a:rPr lang="en-US" smtClean="0"/>
-              <a:t>7/6/2018</a:t>
+              <a:t>11/6/2018</a:t>
             </a:fld>
             <a:endParaRPr lang="en-US"/>
           </a:p>
@@ -2084,7 +2080,7 @@
           <a:p>
             <a:fld id="{8B2F8DF3-7CFE-4C7E-A62E-FD00A81FB0CD}" type="datetimeFigureOut">
               <a:rPr lang="en-US" smtClean="0"/>
-              <a:t>7/6/2018</a:t>
+              <a:t>11/6/2018</a:t>
             </a:fld>
             <a:endParaRPr lang="en-US"/>
           </a:p>
@@ -2336,7 +2332,7 @@
           <a:p>
             <a:fld id="{8B2F8DF3-7CFE-4C7E-A62E-FD00A81FB0CD}" type="datetimeFigureOut">
               <a:rPr lang="en-US" smtClean="0"/>
-              <a:t>7/6/2018</a:t>
+              <a:t>11/6/2018</a:t>
             </a:fld>
             <a:endParaRPr lang="en-US"/>
           </a:p>
@@ -2547,7 +2543,7 @@
           <a:p>
             <a:fld id="{8B2F8DF3-7CFE-4C7E-A62E-FD00A81FB0CD}" type="datetimeFigureOut">
               <a:rPr lang="en-US" smtClean="0"/>
-              <a:t>7/6/2018</a:t>
+              <a:t>11/6/2018</a:t>
             </a:fld>
             <a:endParaRPr lang="en-US"/>
           </a:p>
@@ -3011,7 +3007,7 @@
           <p:nvPr>
             <p:extLst>
               <p:ext uri="{D42A27DB-BD31-4B8C-83A1-F6EECF244321}">
-                <p14:modId xmlns:p14="http://schemas.microsoft.com/office/powerpoint/2010/main" val="1292556626"/>
+                <p14:modId xmlns:p14="http://schemas.microsoft.com/office/powerpoint/2010/main" val="2931847366"/>
               </p:ext>
             </p:extLst>
           </p:nvPr>
@@ -3041,13 +3037,14 @@
                     <a:bodyPr/>
                     <a:lstStyle/>
                     <a:p>
+                      <a:pPr algn="ctr"/>
                       <a:r>
                         <a:rPr lang="en-SG" u="sng" dirty="0"/>
-                        <a:t>ab0:</a:t>
+                        <a:t>al0:</a:t>
                       </a:r>
                       <a:r>
                         <a:rPr lang="en-SG" sz="1800" u="sng" dirty="0"/>
-                        <a:t>AddressBook</a:t>
+                        <a:t>ArticleList</a:t>
                       </a:r>
                       <a:endParaRPr lang="en-SG" sz="1600" u="sng" dirty="0"/>
                     </a:p>

--- a/docs/diagrams/UndoRedoStartingStateListDiagram.pptx
+++ b/docs/diagrams/UndoRedoStartingStateListDiagram.pptx
@@ -112,10 +112,6 @@
 </p:presentation>
 </file>
 
-<file path=ppt/revisionInfo.xml><?xml version="1.0" encoding="utf-8"?>
-<p1510:revInfo xmlns:a="http://schemas.openxmlformats.org/drawingml/2006/main" xmlns:r="http://schemas.openxmlformats.org/officeDocument/2006/relationships" xmlns:p1510="http://schemas.microsoft.com/office/powerpoint/2015/10/main"/>
-</file>
-
 <file path=ppt/slideLayouts/slideLayout1.xml><?xml version="1.0" encoding="utf-8"?>
 <p:sldLayout xmlns:a="http://schemas.openxmlformats.org/drawingml/2006/main" xmlns:r="http://schemas.openxmlformats.org/officeDocument/2006/relationships" xmlns:p="http://schemas.openxmlformats.org/presentationml/2006/main" type="title" preserve="1">
   <p:cSld name="Title Slide">
@@ -245,7 +241,7 @@
           <a:p>
             <a:fld id="{8B2F8DF3-7CFE-4C7E-A62E-FD00A81FB0CD}" type="datetimeFigureOut">
               <a:rPr lang="en-US" smtClean="0"/>
-              <a:t>7/6/2018</a:t>
+              <a:t>11/9/2018</a:t>
             </a:fld>
             <a:endParaRPr lang="en-US"/>
           </a:p>
@@ -413,7 +409,7 @@
           <a:p>
             <a:fld id="{8B2F8DF3-7CFE-4C7E-A62E-FD00A81FB0CD}" type="datetimeFigureOut">
               <a:rPr lang="en-US" smtClean="0"/>
-              <a:t>7/6/2018</a:t>
+              <a:t>11/9/2018</a:t>
             </a:fld>
             <a:endParaRPr lang="en-US"/>
           </a:p>
@@ -591,7 +587,7 @@
           <a:p>
             <a:fld id="{8B2F8DF3-7CFE-4C7E-A62E-FD00A81FB0CD}" type="datetimeFigureOut">
               <a:rPr lang="en-US" smtClean="0"/>
-              <a:t>7/6/2018</a:t>
+              <a:t>11/9/2018</a:t>
             </a:fld>
             <a:endParaRPr lang="en-US"/>
           </a:p>
@@ -759,7 +755,7 @@
           <a:p>
             <a:fld id="{8B2F8DF3-7CFE-4C7E-A62E-FD00A81FB0CD}" type="datetimeFigureOut">
               <a:rPr lang="en-US" smtClean="0"/>
-              <a:t>7/6/2018</a:t>
+              <a:t>11/9/2018</a:t>
             </a:fld>
             <a:endParaRPr lang="en-US"/>
           </a:p>
@@ -1004,7 +1000,7 @@
           <a:p>
             <a:fld id="{8B2F8DF3-7CFE-4C7E-A62E-FD00A81FB0CD}" type="datetimeFigureOut">
               <a:rPr lang="en-US" smtClean="0"/>
-              <a:t>7/6/2018</a:t>
+              <a:t>11/9/2018</a:t>
             </a:fld>
             <a:endParaRPr lang="en-US"/>
           </a:p>
@@ -1233,7 +1229,7 @@
           <a:p>
             <a:fld id="{8B2F8DF3-7CFE-4C7E-A62E-FD00A81FB0CD}" type="datetimeFigureOut">
               <a:rPr lang="en-US" smtClean="0"/>
-              <a:t>7/6/2018</a:t>
+              <a:t>11/9/2018</a:t>
             </a:fld>
             <a:endParaRPr lang="en-US"/>
           </a:p>
@@ -1597,7 +1593,7 @@
           <a:p>
             <a:fld id="{8B2F8DF3-7CFE-4C7E-A62E-FD00A81FB0CD}" type="datetimeFigureOut">
               <a:rPr lang="en-US" smtClean="0"/>
-              <a:t>7/6/2018</a:t>
+              <a:t>11/9/2018</a:t>
             </a:fld>
             <a:endParaRPr lang="en-US"/>
           </a:p>
@@ -1714,7 +1710,7 @@
           <a:p>
             <a:fld id="{8B2F8DF3-7CFE-4C7E-A62E-FD00A81FB0CD}" type="datetimeFigureOut">
               <a:rPr lang="en-US" smtClean="0"/>
-              <a:t>7/6/2018</a:t>
+              <a:t>11/9/2018</a:t>
             </a:fld>
             <a:endParaRPr lang="en-US"/>
           </a:p>
@@ -1809,7 +1805,7 @@
           <a:p>
             <a:fld id="{8B2F8DF3-7CFE-4C7E-A62E-FD00A81FB0CD}" type="datetimeFigureOut">
               <a:rPr lang="en-US" smtClean="0"/>
-              <a:t>7/6/2018</a:t>
+              <a:t>11/9/2018</a:t>
             </a:fld>
             <a:endParaRPr lang="en-US"/>
           </a:p>
@@ -2084,7 +2080,7 @@
           <a:p>
             <a:fld id="{8B2F8DF3-7CFE-4C7E-A62E-FD00A81FB0CD}" type="datetimeFigureOut">
               <a:rPr lang="en-US" smtClean="0"/>
-              <a:t>7/6/2018</a:t>
+              <a:t>11/9/2018</a:t>
             </a:fld>
             <a:endParaRPr lang="en-US"/>
           </a:p>
@@ -2336,7 +2332,7 @@
           <a:p>
             <a:fld id="{8B2F8DF3-7CFE-4C7E-A62E-FD00A81FB0CD}" type="datetimeFigureOut">
               <a:rPr lang="en-US" smtClean="0"/>
-              <a:t>7/6/2018</a:t>
+              <a:t>11/9/2018</a:t>
             </a:fld>
             <a:endParaRPr lang="en-US"/>
           </a:p>
@@ -2547,7 +2543,7 @@
           <a:p>
             <a:fld id="{8B2F8DF3-7CFE-4C7E-A62E-FD00A81FB0CD}" type="datetimeFigureOut">
               <a:rPr lang="en-US" smtClean="0"/>
-              <a:t>7/6/2018</a:t>
+              <a:t>11/9/2018</a:t>
             </a:fld>
             <a:endParaRPr lang="en-US"/>
           </a:p>
@@ -3011,14 +3007,14 @@
           <p:nvPr>
             <p:extLst>
               <p:ext uri="{D42A27DB-BD31-4B8C-83A1-F6EECF244321}">
-                <p14:modId xmlns:p14="http://schemas.microsoft.com/office/powerpoint/2010/main" val="1292556626"/>
+                <p14:modId xmlns:p14="http://schemas.microsoft.com/office/powerpoint/2010/main" val="3128407359"/>
               </p:ext>
             </p:extLst>
           </p:nvPr>
         </p:nvGraphicFramePr>
         <p:xfrm>
           <a:off x="637997" y="2769442"/>
-          <a:ext cx="1833356" cy="410363"/>
+          <a:ext cx="2035630" cy="410363"/>
         </p:xfrm>
         <a:graphic>
           <a:graphicData uri="http://schemas.openxmlformats.org/drawingml/2006/table">
@@ -3027,7 +3023,7 @@
                 <a:tableStyleId>{638B1855-1B75-4FBE-930C-398BA8C253C6}</a:tableStyleId>
               </a:tblPr>
               <a:tblGrid>
-                <a:gridCol w="1833356">
+                <a:gridCol w="2035630">
                   <a:extLst>
                     <a:ext uri="{9D8B030D-6E8A-4147-A177-3AD203B41FA5}">
                       <a16:colId xmlns:a16="http://schemas.microsoft.com/office/drawing/2014/main" val="4240773277"/>
@@ -3043,11 +3039,11 @@
                     <a:p>
                       <a:r>
                         <a:rPr lang="en-SG" u="sng" dirty="0"/>
-                        <a:t>ab0:</a:t>
+                        <a:t>rb0:</a:t>
                       </a:r>
                       <a:r>
                         <a:rPr lang="en-SG" sz="1800" u="sng" dirty="0"/>
-                        <a:t>AddressBook</a:t>
+                        <a:t>RestaurantBook</a:t>
                       </a:r>
                       <a:endParaRPr lang="en-SG" sz="1600" u="sng" dirty="0"/>
                     </a:p>

--- a/docs/diagrams/UndoRedoStartingStateListDiagram.pptx
+++ b/docs/diagrams/UndoRedoStartingStateListDiagram.pptx
@@ -112,10 +112,6 @@
 </p:presentation>
 </file>
 
-<file path=ppt/revisionInfo.xml><?xml version="1.0" encoding="utf-8"?>
-<p1510:revInfo xmlns:a="http://schemas.openxmlformats.org/drawingml/2006/main" xmlns:r="http://schemas.openxmlformats.org/officeDocument/2006/relationships" xmlns:p1510="http://schemas.microsoft.com/office/powerpoint/2015/10/main"/>
-</file>
-
 <file path=ppt/slideLayouts/slideLayout1.xml><?xml version="1.0" encoding="utf-8"?>
 <p:sldLayout xmlns:a="http://schemas.openxmlformats.org/drawingml/2006/main" xmlns:r="http://schemas.openxmlformats.org/officeDocument/2006/relationships" xmlns:p="http://schemas.openxmlformats.org/presentationml/2006/main" type="title" preserve="1">
   <p:cSld name="Title Slide">
@@ -245,7 +241,7 @@
           <a:p>
             <a:fld id="{8B2F8DF3-7CFE-4C7E-A62E-FD00A81FB0CD}" type="datetimeFigureOut">
               <a:rPr lang="en-US" smtClean="0"/>
-              <a:t>7/6/2018</a:t>
+              <a:t>10-Nov-18</a:t>
             </a:fld>
             <a:endParaRPr lang="en-US"/>
           </a:p>
@@ -413,7 +409,7 @@
           <a:p>
             <a:fld id="{8B2F8DF3-7CFE-4C7E-A62E-FD00A81FB0CD}" type="datetimeFigureOut">
               <a:rPr lang="en-US" smtClean="0"/>
-              <a:t>7/6/2018</a:t>
+              <a:t>10-Nov-18</a:t>
             </a:fld>
             <a:endParaRPr lang="en-US"/>
           </a:p>
@@ -591,7 +587,7 @@
           <a:p>
             <a:fld id="{8B2F8DF3-7CFE-4C7E-A62E-FD00A81FB0CD}" type="datetimeFigureOut">
               <a:rPr lang="en-US" smtClean="0"/>
-              <a:t>7/6/2018</a:t>
+              <a:t>10-Nov-18</a:t>
             </a:fld>
             <a:endParaRPr lang="en-US"/>
           </a:p>
@@ -759,7 +755,7 @@
           <a:p>
             <a:fld id="{8B2F8DF3-7CFE-4C7E-A62E-FD00A81FB0CD}" type="datetimeFigureOut">
               <a:rPr lang="en-US" smtClean="0"/>
-              <a:t>7/6/2018</a:t>
+              <a:t>10-Nov-18</a:t>
             </a:fld>
             <a:endParaRPr lang="en-US"/>
           </a:p>
@@ -1004,7 +1000,7 @@
           <a:p>
             <a:fld id="{8B2F8DF3-7CFE-4C7E-A62E-FD00A81FB0CD}" type="datetimeFigureOut">
               <a:rPr lang="en-US" smtClean="0"/>
-              <a:t>7/6/2018</a:t>
+              <a:t>10-Nov-18</a:t>
             </a:fld>
             <a:endParaRPr lang="en-US"/>
           </a:p>
@@ -1233,7 +1229,7 @@
           <a:p>
             <a:fld id="{8B2F8DF3-7CFE-4C7E-A62E-FD00A81FB0CD}" type="datetimeFigureOut">
               <a:rPr lang="en-US" smtClean="0"/>
-              <a:t>7/6/2018</a:t>
+              <a:t>10-Nov-18</a:t>
             </a:fld>
             <a:endParaRPr lang="en-US"/>
           </a:p>
@@ -1597,7 +1593,7 @@
           <a:p>
             <a:fld id="{8B2F8DF3-7CFE-4C7E-A62E-FD00A81FB0CD}" type="datetimeFigureOut">
               <a:rPr lang="en-US" smtClean="0"/>
-              <a:t>7/6/2018</a:t>
+              <a:t>10-Nov-18</a:t>
             </a:fld>
             <a:endParaRPr lang="en-US"/>
           </a:p>
@@ -1714,7 +1710,7 @@
           <a:p>
             <a:fld id="{8B2F8DF3-7CFE-4C7E-A62E-FD00A81FB0CD}" type="datetimeFigureOut">
               <a:rPr lang="en-US" smtClean="0"/>
-              <a:t>7/6/2018</a:t>
+              <a:t>10-Nov-18</a:t>
             </a:fld>
             <a:endParaRPr lang="en-US"/>
           </a:p>
@@ -1809,7 +1805,7 @@
           <a:p>
             <a:fld id="{8B2F8DF3-7CFE-4C7E-A62E-FD00A81FB0CD}" type="datetimeFigureOut">
               <a:rPr lang="en-US" smtClean="0"/>
-              <a:t>7/6/2018</a:t>
+              <a:t>10-Nov-18</a:t>
             </a:fld>
             <a:endParaRPr lang="en-US"/>
           </a:p>
@@ -2084,7 +2080,7 @@
           <a:p>
             <a:fld id="{8B2F8DF3-7CFE-4C7E-A62E-FD00A81FB0CD}" type="datetimeFigureOut">
               <a:rPr lang="en-US" smtClean="0"/>
-              <a:t>7/6/2018</a:t>
+              <a:t>10-Nov-18</a:t>
             </a:fld>
             <a:endParaRPr lang="en-US"/>
           </a:p>
@@ -2336,7 +2332,7 @@
           <a:p>
             <a:fld id="{8B2F8DF3-7CFE-4C7E-A62E-FD00A81FB0CD}" type="datetimeFigureOut">
               <a:rPr lang="en-US" smtClean="0"/>
-              <a:t>7/6/2018</a:t>
+              <a:t>10-Nov-18</a:t>
             </a:fld>
             <a:endParaRPr lang="en-US"/>
           </a:p>
@@ -2547,7 +2543,7 @@
           <a:p>
             <a:fld id="{8B2F8DF3-7CFE-4C7E-A62E-FD00A81FB0CD}" type="datetimeFigureOut">
               <a:rPr lang="en-US" smtClean="0"/>
-              <a:t>7/6/2018</a:t>
+              <a:t>10-Nov-18</a:t>
             </a:fld>
             <a:endParaRPr lang="en-US"/>
           </a:p>
@@ -3011,7 +3007,7 @@
           <p:nvPr>
             <p:extLst>
               <p:ext uri="{D42A27DB-BD31-4B8C-83A1-F6EECF244321}">
-                <p14:modId xmlns:p14="http://schemas.microsoft.com/office/powerpoint/2010/main" val="1292556626"/>
+                <p14:modId xmlns:p14="http://schemas.microsoft.com/office/powerpoint/2010/main" val="853759575"/>
               </p:ext>
             </p:extLst>
           </p:nvPr>
@@ -3041,18 +3037,15 @@
                     <a:bodyPr/>
                     <a:lstStyle/>
                     <a:p>
-                      <a:r>
-                        <a:rPr lang="en-SG" u="sng" dirty="0"/>
-                        <a:t>ab0:</a:t>
-                      </a:r>
+                      <a:pPr algn="ctr"/>
                       <a:r>
                         <a:rPr lang="en-SG" sz="1800" u="sng" dirty="0"/>
-                        <a:t>AddressBook</a:t>
+                        <a:t>s0:Scheduler</a:t>
                       </a:r>
                       <a:endParaRPr lang="en-SG" sz="1600" u="sng" dirty="0"/>
                     </a:p>
                   </a:txBody>
-                  <a:tcPr/>
+                  <a:tcPr anchor="ctr"/>
                 </a:tc>
                 <a:extLst>
                   <a:ext uri="{0D108BD9-81ED-4DB2-BD59-A6C34878D82A}">

--- a/docs/diagrams/UndoRedoStartingStateListDiagram.pptx
+++ b/docs/diagrams/UndoRedoStartingStateListDiagram.pptx
@@ -112,10 +112,6 @@
 </p:presentation>
 </file>
 
-<file path=ppt/revisionInfo.xml><?xml version="1.0" encoding="utf-8"?>
-<p1510:revInfo xmlns:a="http://schemas.openxmlformats.org/drawingml/2006/main" xmlns:r="http://schemas.openxmlformats.org/officeDocument/2006/relationships" xmlns:p1510="http://schemas.microsoft.com/office/powerpoint/2015/10/main"/>
-</file>
-
 <file path=ppt/slideLayouts/slideLayout1.xml><?xml version="1.0" encoding="utf-8"?>
 <p:sldLayout xmlns:a="http://schemas.openxmlformats.org/drawingml/2006/main" xmlns:r="http://schemas.openxmlformats.org/officeDocument/2006/relationships" xmlns:p="http://schemas.openxmlformats.org/presentationml/2006/main" type="title" preserve="1">
   <p:cSld name="Title Slide">
@@ -245,7 +241,7 @@
           <a:p>
             <a:fld id="{8B2F8DF3-7CFE-4C7E-A62E-FD00A81FB0CD}" type="datetimeFigureOut">
               <a:rPr lang="en-US" smtClean="0"/>
-              <a:t>7/6/2018</a:t>
+              <a:t>11-Nov-18</a:t>
             </a:fld>
             <a:endParaRPr lang="en-US"/>
           </a:p>
@@ -413,7 +409,7 @@
           <a:p>
             <a:fld id="{8B2F8DF3-7CFE-4C7E-A62E-FD00A81FB0CD}" type="datetimeFigureOut">
               <a:rPr lang="en-US" smtClean="0"/>
-              <a:t>7/6/2018</a:t>
+              <a:t>11-Nov-18</a:t>
             </a:fld>
             <a:endParaRPr lang="en-US"/>
           </a:p>
@@ -591,7 +587,7 @@
           <a:p>
             <a:fld id="{8B2F8DF3-7CFE-4C7E-A62E-FD00A81FB0CD}" type="datetimeFigureOut">
               <a:rPr lang="en-US" smtClean="0"/>
-              <a:t>7/6/2018</a:t>
+              <a:t>11-Nov-18</a:t>
             </a:fld>
             <a:endParaRPr lang="en-US"/>
           </a:p>
@@ -759,7 +755,7 @@
           <a:p>
             <a:fld id="{8B2F8DF3-7CFE-4C7E-A62E-FD00A81FB0CD}" type="datetimeFigureOut">
               <a:rPr lang="en-US" smtClean="0"/>
-              <a:t>7/6/2018</a:t>
+              <a:t>11-Nov-18</a:t>
             </a:fld>
             <a:endParaRPr lang="en-US"/>
           </a:p>
@@ -1004,7 +1000,7 @@
           <a:p>
             <a:fld id="{8B2F8DF3-7CFE-4C7E-A62E-FD00A81FB0CD}" type="datetimeFigureOut">
               <a:rPr lang="en-US" smtClean="0"/>
-              <a:t>7/6/2018</a:t>
+              <a:t>11-Nov-18</a:t>
             </a:fld>
             <a:endParaRPr lang="en-US"/>
           </a:p>
@@ -1233,7 +1229,7 @@
           <a:p>
             <a:fld id="{8B2F8DF3-7CFE-4C7E-A62E-FD00A81FB0CD}" type="datetimeFigureOut">
               <a:rPr lang="en-US" smtClean="0"/>
-              <a:t>7/6/2018</a:t>
+              <a:t>11-Nov-18</a:t>
             </a:fld>
             <a:endParaRPr lang="en-US"/>
           </a:p>
@@ -1597,7 +1593,7 @@
           <a:p>
             <a:fld id="{8B2F8DF3-7CFE-4C7E-A62E-FD00A81FB0CD}" type="datetimeFigureOut">
               <a:rPr lang="en-US" smtClean="0"/>
-              <a:t>7/6/2018</a:t>
+              <a:t>11-Nov-18</a:t>
             </a:fld>
             <a:endParaRPr lang="en-US"/>
           </a:p>
@@ -1714,7 +1710,7 @@
           <a:p>
             <a:fld id="{8B2F8DF3-7CFE-4C7E-A62E-FD00A81FB0CD}" type="datetimeFigureOut">
               <a:rPr lang="en-US" smtClean="0"/>
-              <a:t>7/6/2018</a:t>
+              <a:t>11-Nov-18</a:t>
             </a:fld>
             <a:endParaRPr lang="en-US"/>
           </a:p>
@@ -1809,7 +1805,7 @@
           <a:p>
             <a:fld id="{8B2F8DF3-7CFE-4C7E-A62E-FD00A81FB0CD}" type="datetimeFigureOut">
               <a:rPr lang="en-US" smtClean="0"/>
-              <a:t>7/6/2018</a:t>
+              <a:t>11-Nov-18</a:t>
             </a:fld>
             <a:endParaRPr lang="en-US"/>
           </a:p>
@@ -2084,7 +2080,7 @@
           <a:p>
             <a:fld id="{8B2F8DF3-7CFE-4C7E-A62E-FD00A81FB0CD}" type="datetimeFigureOut">
               <a:rPr lang="en-US" smtClean="0"/>
-              <a:t>7/6/2018</a:t>
+              <a:t>11-Nov-18</a:t>
             </a:fld>
             <a:endParaRPr lang="en-US"/>
           </a:p>
@@ -2336,7 +2332,7 @@
           <a:p>
             <a:fld id="{8B2F8DF3-7CFE-4C7E-A62E-FD00A81FB0CD}" type="datetimeFigureOut">
               <a:rPr lang="en-US" smtClean="0"/>
-              <a:t>7/6/2018</a:t>
+              <a:t>11-Nov-18</a:t>
             </a:fld>
             <a:endParaRPr lang="en-US"/>
           </a:p>
@@ -2547,7 +2543,7 @@
           <a:p>
             <a:fld id="{8B2F8DF3-7CFE-4C7E-A62E-FD00A81FB0CD}" type="datetimeFigureOut">
               <a:rPr lang="en-US" smtClean="0"/>
-              <a:t>7/6/2018</a:t>
+              <a:t>11-Nov-18</a:t>
             </a:fld>
             <a:endParaRPr lang="en-US"/>
           </a:p>
@@ -3011,14 +3007,14 @@
           <p:nvPr>
             <p:extLst>
               <p:ext uri="{D42A27DB-BD31-4B8C-83A1-F6EECF244321}">
-                <p14:modId xmlns:p14="http://schemas.microsoft.com/office/powerpoint/2010/main" val="1292556626"/>
+                <p14:modId xmlns:p14="http://schemas.microsoft.com/office/powerpoint/2010/main" val="3431929677"/>
               </p:ext>
             </p:extLst>
           </p:nvPr>
         </p:nvGraphicFramePr>
         <p:xfrm>
-          <a:off x="637997" y="2769442"/>
-          <a:ext cx="1833356" cy="410363"/>
+          <a:off x="637996" y="2769442"/>
+          <a:ext cx="2035629" cy="410363"/>
         </p:xfrm>
         <a:graphic>
           <a:graphicData uri="http://schemas.openxmlformats.org/drawingml/2006/table">
@@ -3027,7 +3023,7 @@
                 <a:tableStyleId>{638B1855-1B75-4FBE-930C-398BA8C253C6}</a:tableStyleId>
               </a:tblPr>
               <a:tblGrid>
-                <a:gridCol w="1833356">
+                <a:gridCol w="2035629">
                   <a:extLst>
                     <a:ext uri="{9D8B030D-6E8A-4147-A177-3AD203B41FA5}">
                       <a16:colId xmlns:a16="http://schemas.microsoft.com/office/drawing/2014/main" val="4240773277"/>
@@ -3043,11 +3039,11 @@
                     <a:p>
                       <a:r>
                         <a:rPr lang="en-SG" u="sng" dirty="0"/>
-                        <a:t>ab0:</a:t>
+                        <a:t>et0:</a:t>
                       </a:r>
                       <a:r>
                         <a:rPr lang="en-SG" sz="1800" u="sng" dirty="0"/>
-                        <a:t>AddressBook</a:t>
+                        <a:t>ExpenseTracker</a:t>
                       </a:r>
                       <a:endParaRPr lang="en-SG" sz="1600" u="sng" dirty="0"/>
                     </a:p>

--- a/docs/diagrams/UndoRedoStartingStateListDiagram.pptx
+++ b/docs/diagrams/UndoRedoStartingStateListDiagram.pptx
@@ -112,10 +112,6 @@
 </p:presentation>
 </file>
 
-<file path=ppt/revisionInfo.xml><?xml version="1.0" encoding="utf-8"?>
-<p1510:revInfo xmlns:a="http://schemas.openxmlformats.org/drawingml/2006/main" xmlns:r="http://schemas.openxmlformats.org/officeDocument/2006/relationships" xmlns:p1510="http://schemas.microsoft.com/office/powerpoint/2015/10/main"/>
-</file>
-
 <file path=ppt/slideLayouts/slideLayout1.xml><?xml version="1.0" encoding="utf-8"?>
 <p:sldLayout xmlns:a="http://schemas.openxmlformats.org/drawingml/2006/main" xmlns:r="http://schemas.openxmlformats.org/officeDocument/2006/relationships" xmlns:p="http://schemas.openxmlformats.org/presentationml/2006/main" type="title" preserve="1">
   <p:cSld name="Title Slide">
@@ -245,7 +241,7 @@
           <a:p>
             <a:fld id="{8B2F8DF3-7CFE-4C7E-A62E-FD00A81FB0CD}" type="datetimeFigureOut">
               <a:rPr lang="en-US" smtClean="0"/>
-              <a:t>7/6/2018</a:t>
+              <a:t>11/12/2018</a:t>
             </a:fld>
             <a:endParaRPr lang="en-US"/>
           </a:p>
@@ -413,7 +409,7 @@
           <a:p>
             <a:fld id="{8B2F8DF3-7CFE-4C7E-A62E-FD00A81FB0CD}" type="datetimeFigureOut">
               <a:rPr lang="en-US" smtClean="0"/>
-              <a:t>7/6/2018</a:t>
+              <a:t>11/12/2018</a:t>
             </a:fld>
             <a:endParaRPr lang="en-US"/>
           </a:p>
@@ -591,7 +587,7 @@
           <a:p>
             <a:fld id="{8B2F8DF3-7CFE-4C7E-A62E-FD00A81FB0CD}" type="datetimeFigureOut">
               <a:rPr lang="en-US" smtClean="0"/>
-              <a:t>7/6/2018</a:t>
+              <a:t>11/12/2018</a:t>
             </a:fld>
             <a:endParaRPr lang="en-US"/>
           </a:p>
@@ -759,7 +755,7 @@
           <a:p>
             <a:fld id="{8B2F8DF3-7CFE-4C7E-A62E-FD00A81FB0CD}" type="datetimeFigureOut">
               <a:rPr lang="en-US" smtClean="0"/>
-              <a:t>7/6/2018</a:t>
+              <a:t>11/12/2018</a:t>
             </a:fld>
             <a:endParaRPr lang="en-US"/>
           </a:p>
@@ -1004,7 +1000,7 @@
           <a:p>
             <a:fld id="{8B2F8DF3-7CFE-4C7E-A62E-FD00A81FB0CD}" type="datetimeFigureOut">
               <a:rPr lang="en-US" smtClean="0"/>
-              <a:t>7/6/2018</a:t>
+              <a:t>11/12/2018</a:t>
             </a:fld>
             <a:endParaRPr lang="en-US"/>
           </a:p>
@@ -1233,7 +1229,7 @@
           <a:p>
             <a:fld id="{8B2F8DF3-7CFE-4C7E-A62E-FD00A81FB0CD}" type="datetimeFigureOut">
               <a:rPr lang="en-US" smtClean="0"/>
-              <a:t>7/6/2018</a:t>
+              <a:t>11/12/2018</a:t>
             </a:fld>
             <a:endParaRPr lang="en-US"/>
           </a:p>
@@ -1597,7 +1593,7 @@
           <a:p>
             <a:fld id="{8B2F8DF3-7CFE-4C7E-A62E-FD00A81FB0CD}" type="datetimeFigureOut">
               <a:rPr lang="en-US" smtClean="0"/>
-              <a:t>7/6/2018</a:t>
+              <a:t>11/12/2018</a:t>
             </a:fld>
             <a:endParaRPr lang="en-US"/>
           </a:p>
@@ -1714,7 +1710,7 @@
           <a:p>
             <a:fld id="{8B2F8DF3-7CFE-4C7E-A62E-FD00A81FB0CD}" type="datetimeFigureOut">
               <a:rPr lang="en-US" smtClean="0"/>
-              <a:t>7/6/2018</a:t>
+              <a:t>11/12/2018</a:t>
             </a:fld>
             <a:endParaRPr lang="en-US"/>
           </a:p>
@@ -1809,7 +1805,7 @@
           <a:p>
             <a:fld id="{8B2F8DF3-7CFE-4C7E-A62E-FD00A81FB0CD}" type="datetimeFigureOut">
               <a:rPr lang="en-US" smtClean="0"/>
-              <a:t>7/6/2018</a:t>
+              <a:t>11/12/2018</a:t>
             </a:fld>
             <a:endParaRPr lang="en-US"/>
           </a:p>
@@ -2084,7 +2080,7 @@
           <a:p>
             <a:fld id="{8B2F8DF3-7CFE-4C7E-A62E-FD00A81FB0CD}" type="datetimeFigureOut">
               <a:rPr lang="en-US" smtClean="0"/>
-              <a:t>7/6/2018</a:t>
+              <a:t>11/12/2018</a:t>
             </a:fld>
             <a:endParaRPr lang="en-US"/>
           </a:p>
@@ -2336,7 +2332,7 @@
           <a:p>
             <a:fld id="{8B2F8DF3-7CFE-4C7E-A62E-FD00A81FB0CD}" type="datetimeFigureOut">
               <a:rPr lang="en-US" smtClean="0"/>
-              <a:t>7/6/2018</a:t>
+              <a:t>11/12/2018</a:t>
             </a:fld>
             <a:endParaRPr lang="en-US"/>
           </a:p>
@@ -2547,7 +2543,7 @@
           <a:p>
             <a:fld id="{8B2F8DF3-7CFE-4C7E-A62E-FD00A81FB0CD}" type="datetimeFigureOut">
               <a:rPr lang="en-US" smtClean="0"/>
-              <a:t>7/6/2018</a:t>
+              <a:t>11/12/2018</a:t>
             </a:fld>
             <a:endParaRPr lang="en-US"/>
           </a:p>
@@ -3011,7 +3007,7 @@
           <p:nvPr>
             <p:extLst>
               <p:ext uri="{D42A27DB-BD31-4B8C-83A1-F6EECF244321}">
-                <p14:modId xmlns:p14="http://schemas.microsoft.com/office/powerpoint/2010/main" val="1292556626"/>
+                <p14:modId xmlns:p14="http://schemas.microsoft.com/office/powerpoint/2010/main" val="2361436502"/>
               </p:ext>
             </p:extLst>
           </p:nvPr>
@@ -3043,11 +3039,11 @@
                     <a:p>
                       <a:r>
                         <a:rPr lang="en-SG" u="sng" dirty="0"/>
-                        <a:t>ab0:</a:t>
+                        <a:t>tp0:</a:t>
                       </a:r>
                       <a:r>
                         <a:rPr lang="en-SG" sz="1800" u="sng" dirty="0"/>
-                        <a:t>AddressBook</a:t>
+                        <a:t>ThanePark</a:t>
                       </a:r>
                       <a:endParaRPr lang="en-SG" sz="1600" u="sng" dirty="0"/>
                     </a:p>
